--- a/DEVSQL_16_UDF/DEVSQL_16_UDF.pptx
+++ b/DEVSQL_16_UDF/DEVSQL_16_UDF.pptx
@@ -4801,7 +4801,7 @@
         <p:spPr>
           <a:xfrm>
             <a:off x="489706" y="624631"/>
-            <a:ext cx="6255043" cy="5724644"/>
+            <a:ext cx="9543980" cy="4339650"/>
           </a:xfrm>
           <a:prstGeom prst="rect">
             <a:avLst/>
@@ -4952,36 +4952,6 @@
           </a:p>
         </p:txBody>
       </p:sp>
-      <p:pic>
-        <p:nvPicPr>
-          <p:cNvPr id="3" name="Obraz 2">
-            <a:extLst>
-              <a:ext uri="{FF2B5EF4-FFF2-40B4-BE49-F238E27FC236}">
-                <a16:creationId xmlns:a16="http://schemas.microsoft.com/office/drawing/2014/main" xmlns="" id="{1D1AFA9B-687F-46AF-B6BE-46DC51C8BFCE}"/>
-              </a:ext>
-            </a:extLst>
-          </p:cNvPr>
-          <p:cNvPicPr>
-            <a:picLocks noChangeAspect="1"/>
-          </p:cNvPicPr>
-          <p:nvPr/>
-        </p:nvPicPr>
-        <p:blipFill>
-          <a:blip r:embed="rId2"/>
-          <a:stretch>
-            <a:fillRect/>
-          </a:stretch>
-        </p:blipFill>
-        <p:spPr>
-          <a:xfrm>
-            <a:off x="7084773" y="624631"/>
-            <a:ext cx="4314825" cy="4724400"/>
-          </a:xfrm>
-          <a:prstGeom prst="rect">
-            <a:avLst/>
-          </a:prstGeom>
-        </p:spPr>
-      </p:pic>
     </p:spTree>
     <p:extLst>
       <p:ext uri="{BB962C8B-B14F-4D97-AF65-F5344CB8AC3E}">

--- a/DEVSQL_16_UDF/DEVSQL_16_UDF.pptx
+++ b/DEVSQL_16_UDF/DEVSQL_16_UDF.pptx
@@ -5,7 +5,7 @@
     <p:sldMasterId id="2147483903" r:id="rId1"/>
   </p:sldMasterIdLst>
   <p:notesMasterIdLst>
-    <p:notesMasterId r:id="rId10"/>
+    <p:notesMasterId r:id="rId13"/>
   </p:notesMasterIdLst>
   <p:sldIdLst>
     <p:sldId id="256" r:id="rId2"/>
@@ -14,8 +14,11 @@
     <p:sldId id="335" r:id="rId5"/>
     <p:sldId id="337" r:id="rId6"/>
     <p:sldId id="336" r:id="rId7"/>
-    <p:sldId id="338" r:id="rId8"/>
-    <p:sldId id="332" r:id="rId9"/>
+    <p:sldId id="339" r:id="rId8"/>
+    <p:sldId id="338" r:id="rId9"/>
+    <p:sldId id="340" r:id="rId10"/>
+    <p:sldId id="341" r:id="rId11"/>
+    <p:sldId id="332" r:id="rId12"/>
   </p:sldIdLst>
   <p:sldSz cx="12192000" cy="6858000"/>
   <p:notesSz cx="6858000" cy="9144000"/>
@@ -231,7 +234,7 @@
           <a:p>
             <a:fld id="{A72FB546-F199-4B4F-99BF-57E72CB8BE0D}" type="datetimeFigureOut">
               <a:rPr lang="en-GB" smtClean="0"/>
-              <a:t>29/10/2018</a:t>
+              <a:t>30/10/2018</a:t>
             </a:fld>
             <a:endParaRPr lang="en-GB"/>
           </a:p>
@@ -807,7 +810,7 @@
           <a:p>
             <a:fld id="{C0352EAE-B69A-4E05-AE44-65FB2D9D15E2}" type="datetime1">
               <a:rPr lang="en-US" smtClean="0"/>
-              <a:t>10/29/2018</a:t>
+              <a:t>10/30/2018</a:t>
             </a:fld>
             <a:endParaRPr lang="en-US" dirty="0"/>
           </a:p>
@@ -982,7 +985,7 @@
           <a:p>
             <a:fld id="{988E093B-B010-4324-ADC4-CE68D7DF933C}" type="datetime1">
               <a:rPr lang="en-US" smtClean="0"/>
-              <a:t>10/29/2018</a:t>
+              <a:t>10/30/2018</a:t>
             </a:fld>
             <a:endParaRPr lang="en-US" dirty="0"/>
           </a:p>
@@ -1166,7 +1169,7 @@
           <a:p>
             <a:fld id="{14BD778E-6BBB-4316-86F4-F9919C690AE6}" type="datetime1">
               <a:rPr lang="en-US" smtClean="0"/>
-              <a:t>10/29/2018</a:t>
+              <a:t>10/30/2018</a:t>
             </a:fld>
             <a:endParaRPr lang="en-US" dirty="0"/>
           </a:p>
@@ -1340,7 +1343,7 @@
           <a:p>
             <a:fld id="{52E5CE9B-0332-4BAE-B99F-1AAF4A19285E}" type="datetime1">
               <a:rPr lang="en-US" smtClean="0"/>
-              <a:t>10/29/2018</a:t>
+              <a:t>10/30/2018</a:t>
             </a:fld>
             <a:endParaRPr lang="en-US" dirty="0"/>
           </a:p>
@@ -1602,7 +1605,7 @@
           <a:p>
             <a:fld id="{139695E4-F091-4EEF-B584-5713E8730804}" type="datetime1">
               <a:rPr lang="en-US" smtClean="0"/>
-              <a:t>10/29/2018</a:t>
+              <a:t>10/30/2018</a:t>
             </a:fld>
             <a:endParaRPr lang="en-US" dirty="0"/>
           </a:p>
@@ -1895,7 +1898,7 @@
           <a:p>
             <a:fld id="{66631ECF-FFC4-4A54-A72D-38E2091BA1E8}" type="datetime1">
               <a:rPr lang="en-US" smtClean="0"/>
-              <a:t>10/29/2018</a:t>
+              <a:t>10/30/2018</a:t>
             </a:fld>
             <a:endParaRPr lang="en-US" dirty="0"/>
           </a:p>
@@ -2341,7 +2344,7 @@
           <a:p>
             <a:fld id="{BBF1EA59-3398-40F7-846E-7E523845DA55}" type="datetime1">
               <a:rPr lang="en-US" smtClean="0"/>
-              <a:t>10/29/2018</a:t>
+              <a:t>10/30/2018</a:t>
             </a:fld>
             <a:endParaRPr lang="en-US" dirty="0"/>
           </a:p>
@@ -2463,7 +2466,7 @@
           <a:p>
             <a:fld id="{54CF0E65-F190-4AA3-BF5B-7B524BF9BF00}" type="datetime1">
               <a:rPr lang="en-US" smtClean="0"/>
-              <a:t>10/29/2018</a:t>
+              <a:t>10/30/2018</a:t>
             </a:fld>
             <a:endParaRPr lang="en-US" dirty="0"/>
           </a:p>
@@ -2562,7 +2565,7 @@
           <a:p>
             <a:fld id="{1F7A3C29-667C-474A-AEF5-63C64634AC1C}" type="datetime1">
               <a:rPr lang="en-US" smtClean="0"/>
-              <a:t>10/29/2018</a:t>
+              <a:t>10/30/2018</a:t>
             </a:fld>
             <a:endParaRPr lang="en-US" dirty="0"/>
           </a:p>
@@ -2854,7 +2857,7 @@
           <a:p>
             <a:fld id="{186A5AA3-7910-4918-8533-03A865B23C99}" type="datetime1">
               <a:rPr lang="en-US" smtClean="0"/>
-              <a:t>10/29/2018</a:t>
+              <a:t>10/30/2018</a:t>
             </a:fld>
             <a:endParaRPr lang="en-US" dirty="0"/>
           </a:p>
@@ -3132,7 +3135,7 @@
           <a:p>
             <a:fld id="{DF9F9EF7-9460-462B-9A5B-61B248FB1D21}" type="datetime1">
               <a:rPr lang="en-US" smtClean="0"/>
-              <a:t>10/29/2018</a:t>
+              <a:t>10/30/2018</a:t>
             </a:fld>
             <a:endParaRPr lang="en-US" dirty="0"/>
           </a:p>
@@ -3434,7 +3437,7 @@
           <a:p>
             <a:fld id="{1F9C2BD3-5DA9-4242-811A-88784C9C3BD7}" type="datetime1">
               <a:rPr lang="en-US" smtClean="0"/>
-              <a:t>10/29/2018</a:t>
+              <a:t>10/30/2018</a:t>
             </a:fld>
             <a:endParaRPr lang="en-US" dirty="0"/>
           </a:p>
@@ -3996,6 +3999,213 @@
 </p:sld>
 </file>
 
+<file path=ppt/slides/slide10.xml><?xml version="1.0" encoding="utf-8"?>
+<p:sld xmlns:a="http://schemas.openxmlformats.org/drawingml/2006/main" xmlns:r="http://schemas.openxmlformats.org/officeDocument/2006/relationships" xmlns:p="http://schemas.openxmlformats.org/presentationml/2006/main">
+  <p:cSld>
+    <p:spTree>
+      <p:nvGrpSpPr>
+        <p:cNvPr id="1" name=""/>
+        <p:cNvGrpSpPr/>
+        <p:nvPr/>
+      </p:nvGrpSpPr>
+      <p:grpSpPr>
+        <a:xfrm>
+          <a:off x="0" y="0"/>
+          <a:ext cx="0" cy="0"/>
+          <a:chOff x="0" y="0"/>
+          <a:chExt cx="0" cy="0"/>
+        </a:xfrm>
+      </p:grpSpPr>
+      <p:sp>
+        <p:nvSpPr>
+          <p:cNvPr id="2" name="Footer Placeholder 1"/>
+          <p:cNvSpPr>
+            <a:spLocks noGrp="1"/>
+          </p:cNvSpPr>
+          <p:nvPr>
+            <p:ph type="ftr" sz="quarter" idx="11"/>
+          </p:nvPr>
+        </p:nvSpPr>
+        <p:spPr/>
+        <p:txBody>
+          <a:bodyPr/>
+          <a:lstStyle/>
+          <a:p>
+            <a:r>
+              <a:rPr lang="en-US" smtClean="0"/>
+              <a:t>Developing SQL Databases</a:t>
+            </a:r>
+            <a:endParaRPr lang="en-US" dirty="0"/>
+          </a:p>
+        </p:txBody>
+      </p:sp>
+      <p:pic>
+        <p:nvPicPr>
+          <p:cNvPr id="3" name="Picture 2"/>
+          <p:cNvPicPr>
+            <a:picLocks noChangeAspect="1"/>
+          </p:cNvPicPr>
+          <p:nvPr/>
+        </p:nvPicPr>
+        <p:blipFill>
+          <a:blip r:embed="rId2"/>
+          <a:stretch>
+            <a:fillRect/>
+          </a:stretch>
+        </p:blipFill>
+        <p:spPr>
+          <a:xfrm>
+            <a:off x="1809750" y="1304925"/>
+            <a:ext cx="8572500" cy="4248150"/>
+          </a:xfrm>
+          <a:prstGeom prst="rect">
+            <a:avLst/>
+          </a:prstGeom>
+          <a:ln>
+            <a:noFill/>
+          </a:ln>
+          <a:effectLst>
+            <a:outerShdw blurRad="292100" dist="139700" dir="2700000" algn="tl" rotWithShape="0">
+              <a:srgbClr val="333333">
+                <a:alpha val="65000"/>
+              </a:srgbClr>
+            </a:outerShdw>
+          </a:effectLst>
+        </p:spPr>
+      </p:pic>
+    </p:spTree>
+    <p:extLst>
+      <p:ext uri="{BB962C8B-B14F-4D97-AF65-F5344CB8AC3E}">
+        <p14:creationId xmlns:p14="http://schemas.microsoft.com/office/powerpoint/2010/main" val="1464482337"/>
+      </p:ext>
+    </p:extLst>
+  </p:cSld>
+  <p:clrMapOvr>
+    <a:masterClrMapping/>
+  </p:clrMapOvr>
+</p:sld>
+</file>
+
+<file path=ppt/slides/slide11.xml><?xml version="1.0" encoding="utf-8"?>
+<p:sld xmlns:a="http://schemas.openxmlformats.org/drawingml/2006/main" xmlns:r="http://schemas.openxmlformats.org/officeDocument/2006/relationships" xmlns:p="http://schemas.openxmlformats.org/presentationml/2006/main">
+  <p:cSld>
+    <p:spTree>
+      <p:nvGrpSpPr>
+        <p:cNvPr id="1" name=""/>
+        <p:cNvGrpSpPr/>
+        <p:nvPr/>
+      </p:nvGrpSpPr>
+      <p:grpSpPr>
+        <a:xfrm>
+          <a:off x="0" y="0"/>
+          <a:ext cx="0" cy="0"/>
+          <a:chOff x="0" y="0"/>
+          <a:chExt cx="0" cy="0"/>
+        </a:xfrm>
+      </p:grpSpPr>
+      <p:sp>
+        <p:nvSpPr>
+          <p:cNvPr id="9" name="pole tekstowe 8"/>
+          <p:cNvSpPr txBox="1"/>
+          <p:nvPr/>
+        </p:nvSpPr>
+        <p:spPr>
+          <a:xfrm>
+            <a:off x="489706" y="624631"/>
+            <a:ext cx="10374037" cy="1138773"/>
+          </a:xfrm>
+          <a:prstGeom prst="rect">
+            <a:avLst/>
+          </a:prstGeom>
+          <a:noFill/>
+        </p:spPr>
+        <p:txBody>
+          <a:bodyPr wrap="square" rtlCol="0">
+            <a:spAutoFit/>
+          </a:bodyPr>
+          <a:lstStyle/>
+          <a:p>
+            <a:r>
+              <a:rPr lang="pl-PL" sz="2800" b="1" dirty="0" smtClean="0"/>
+              <a:t>LINKS</a:t>
+            </a:r>
+            <a:endParaRPr lang="en-US" sz="2800" b="1" dirty="0"/>
+          </a:p>
+          <a:p>
+            <a:endParaRPr lang="en-US" dirty="0"/>
+          </a:p>
+          <a:p>
+            <a:pPr lvl="1"/>
+            <a:r>
+              <a:rPr lang="pl-PL" sz="1100" dirty="0"/>
+              <a:t>https://</a:t>
+            </a:r>
+            <a:r>
+              <a:rPr lang="pl-PL" sz="1100" dirty="0" smtClean="0"/>
+              <a:t>docs.microsoft.com/en-us/sql/relational-databases/user-defined-functions/user-defined-functions?view=sql-server-2017</a:t>
+            </a:r>
+          </a:p>
+          <a:p>
+            <a:pPr lvl="1"/>
+            <a:r>
+              <a:rPr lang="pl-PL" sz="1100" dirty="0"/>
+              <a:t>https://</a:t>
+            </a:r>
+            <a:r>
+              <a:rPr lang="pl-PL" sz="1100" dirty="0" smtClean="0"/>
+              <a:t>docs.microsoft.com/en-us/sql/relational-databases/user-defined-functions/create-user-defined-functions-database-engine?view=sql-server-2017</a:t>
+            </a:r>
+          </a:p>
+        </p:txBody>
+      </p:sp>
+      <p:sp>
+        <p:nvSpPr>
+          <p:cNvPr id="12" name="Symbol zastępczy stopki 11"/>
+          <p:cNvSpPr>
+            <a:spLocks noGrp="1"/>
+          </p:cNvSpPr>
+          <p:nvPr>
+            <p:ph type="ftr" sz="quarter" idx="11"/>
+          </p:nvPr>
+        </p:nvSpPr>
+        <p:spPr>
+          <a:xfrm>
+            <a:off x="3869268" y="6356350"/>
+            <a:ext cx="5911517" cy="365125"/>
+          </a:xfrm>
+        </p:spPr>
+        <p:txBody>
+          <a:bodyPr/>
+          <a:lstStyle/>
+          <a:p>
+            <a:r>
+              <a:rPr lang="en-US" smtClean="0"/>
+              <a:t>Developing SQL Databases</a:t>
+            </a:r>
+            <a:endParaRPr lang="pl-PL" dirty="0"/>
+          </a:p>
+        </p:txBody>
+      </p:sp>
+    </p:spTree>
+    <p:extLst>
+      <p:ext uri="{BB962C8B-B14F-4D97-AF65-F5344CB8AC3E}">
+        <p14:creationId xmlns:p14="http://schemas.microsoft.com/office/powerpoint/2010/main" val="4022598219"/>
+      </p:ext>
+    </p:extLst>
+  </p:cSld>
+  <p:clrMapOvr>
+    <a:masterClrMapping/>
+  </p:clrMapOvr>
+  <p:timing>
+    <p:tnLst>
+      <p:par>
+        <p:cTn id="1" dur="indefinite" restart="never" nodeType="tmRoot"/>
+      </p:par>
+    </p:tnLst>
+  </p:timing>
+</p:sld>
+</file>
+
 <file path=ppt/slides/slide2.xml><?xml version="1.0" encoding="utf-8"?>
 <p:sld xmlns:a="http://schemas.openxmlformats.org/drawingml/2006/main" xmlns:r="http://schemas.openxmlformats.org/officeDocument/2006/relationships" xmlns:p="http://schemas.openxmlformats.org/presentationml/2006/main">
   <p:cSld>
@@ -4686,7 +4896,7 @@
         <p:spPr>
           <a:xfrm>
             <a:off x="489706" y="624631"/>
-            <a:ext cx="6255043" cy="1292662"/>
+            <a:ext cx="7047916" cy="1600438"/>
           </a:xfrm>
           <a:prstGeom prst="rect">
             <a:avLst/>
@@ -4711,14 +4921,22 @@
           </a:p>
           <a:p>
             <a:pPr lvl="1"/>
-            <a:r>
-              <a:rPr lang="pl-PL" dirty="0" smtClean="0"/>
-              <a:t>xxxxxxxxxxxxxxxxxxx</a:t>
-            </a:r>
-            <a:endParaRPr lang="pl-PL" dirty="0"/>
+            <a:endParaRPr lang="pl-PL" dirty="0" smtClean="0"/>
           </a:p>
           <a:p>
             <a:pPr lvl="1"/>
+            <a:r>
+              <a:rPr lang="en-US" dirty="0" smtClean="0"/>
+              <a:t>Scalar </a:t>
+            </a:r>
+            <a:r>
+              <a:rPr lang="en-US" dirty="0"/>
+              <a:t>UDFs allow you to encapsulate small amounts of code into a module that can be called inside of other statements</a:t>
+            </a:r>
+            <a:r>
+              <a:rPr lang="en-US" dirty="0" smtClean="0"/>
+              <a:t>.</a:t>
+            </a:r>
             <a:endParaRPr lang="pl-PL" sz="1600" dirty="0"/>
           </a:p>
           <a:p>
@@ -4755,6 +4973,40 @@
           </a:p>
         </p:txBody>
       </p:sp>
+      <p:pic>
+        <p:nvPicPr>
+          <p:cNvPr id="2" name="Picture 1"/>
+          <p:cNvPicPr>
+            <a:picLocks noChangeAspect="1"/>
+          </p:cNvPicPr>
+          <p:nvPr/>
+        </p:nvPicPr>
+        <p:blipFill>
+          <a:blip r:embed="rId2"/>
+          <a:stretch>
+            <a:fillRect/>
+          </a:stretch>
+        </p:blipFill>
+        <p:spPr>
+          <a:xfrm>
+            <a:off x="489706" y="2385709"/>
+            <a:ext cx="5172075" cy="3810000"/>
+          </a:xfrm>
+          <a:prstGeom prst="rect">
+            <a:avLst/>
+          </a:prstGeom>
+          <a:ln>
+            <a:noFill/>
+          </a:ln>
+          <a:effectLst>
+            <a:outerShdw blurRad="292100" dist="139700" dir="2700000" algn="tl" rotWithShape="0">
+              <a:srgbClr val="333333">
+                <a:alpha val="65000"/>
+              </a:srgbClr>
+            </a:outerShdw>
+          </a:effectLst>
+        </p:spPr>
+      </p:pic>
     </p:spTree>
     <p:extLst>
       <p:ext uri="{BB962C8B-B14F-4D97-AF65-F5344CB8AC3E}">
@@ -4801,7 +5053,7 @@
         <p:spPr>
           <a:xfrm>
             <a:off x="489706" y="624631"/>
-            <a:ext cx="9543980" cy="4339650"/>
+            <a:ext cx="9543980" cy="4401205"/>
           </a:xfrm>
           <a:prstGeom prst="rect">
             <a:avLst/>
@@ -4862,57 +5114,66 @@
             <a:pPr lvl="1"/>
             <a:r>
               <a:rPr lang="en-US" dirty="0"/>
-              <a:t>To create an inline table-valued function:</a:t>
-            </a:r>
-          </a:p>
-          <a:p>
-            <a:pPr marL="742950" lvl="1" indent="-285750">
+              <a:t>To create an inline table-valued function</a:t>
+            </a:r>
+            <a:r>
+              <a:rPr lang="en-US" dirty="0" smtClean="0"/>
+              <a:t>:</a:t>
+            </a:r>
+            <a:endParaRPr lang="pl-PL" dirty="0" smtClean="0"/>
+          </a:p>
+          <a:p>
+            <a:pPr lvl="1"/>
+            <a:endParaRPr lang="en-US" dirty="0"/>
+          </a:p>
+          <a:p>
+            <a:pPr marL="1200150" lvl="2" indent="-285750">
               <a:buFont typeface="Arial" panose="020B0604020202020204" pitchFamily="34" charset="0"/>
               <a:buChar char="•"/>
             </a:pPr>
             <a:r>
-              <a:rPr lang="en-US" dirty="0"/>
+              <a:rPr lang="en-US" sz="1600" i="1" dirty="0"/>
               <a:t>Specify parameters. Parameters are optional, but the parentheses that would enclose parameters are not optional.</a:t>
             </a:r>
           </a:p>
           <a:p>
-            <a:pPr marL="742950" lvl="1" indent="-285750">
+            <a:pPr marL="1200150" lvl="2" indent="-285750">
               <a:buFont typeface="Arial" panose="020B0604020202020204" pitchFamily="34" charset="0"/>
               <a:buChar char="•"/>
             </a:pPr>
             <a:r>
-              <a:rPr lang="en-US" dirty="0"/>
+              <a:rPr lang="en-US" sz="1600" i="1" dirty="0"/>
               <a:t>Add the clause RETURNS TABLE to signal to SQL Server that this is a table-valued function.</a:t>
             </a:r>
           </a:p>
           <a:p>
-            <a:pPr marL="742950" lvl="1" indent="-285750">
+            <a:pPr marL="1200150" lvl="2" indent="-285750">
               <a:buFont typeface="Arial" panose="020B0604020202020204" pitchFamily="34" charset="0"/>
               <a:buChar char="•"/>
             </a:pPr>
             <a:r>
-              <a:rPr lang="en-US" dirty="0"/>
+              <a:rPr lang="en-US" sz="1600" i="1" dirty="0"/>
               <a:t>Following the AS block, enter a single RETURN statement. This acts like an internal function to return the embedded SELECT statement.</a:t>
             </a:r>
           </a:p>
           <a:p>
-            <a:pPr marL="742950" lvl="1" indent="-285750">
+            <a:pPr marL="1200150" lvl="2" indent="-285750">
               <a:buFont typeface="Arial" panose="020B0604020202020204" pitchFamily="34" charset="0"/>
               <a:buChar char="•"/>
             </a:pPr>
             <a:r>
-              <a:rPr lang="en-US" dirty="0"/>
+              <a:rPr lang="en-US" sz="1600" i="1" dirty="0"/>
               <a:t>Embed the SELECT statement that will define what you want the function to return as a </a:t>
             </a:r>
             <a:r>
-              <a:rPr lang="en-US" dirty="0" err="1"/>
+              <a:rPr lang="en-US" sz="1600" i="1" dirty="0" err="1"/>
               <a:t>rowset</a:t>
             </a:r>
             <a:r>
-              <a:rPr lang="en-US" dirty="0"/>
+              <a:rPr lang="en-US" sz="1600" i="1" dirty="0"/>
               <a:t> to the caller.</a:t>
             </a:r>
-            <a:endParaRPr lang="pl-PL" dirty="0"/>
+            <a:endParaRPr lang="pl-PL" sz="1600" i="1" dirty="0"/>
           </a:p>
           <a:p>
             <a:pPr lvl="1"/>
@@ -4998,7 +5259,7 @@
         <p:spPr>
           <a:xfrm>
             <a:off x="489706" y="624631"/>
-            <a:ext cx="6255043" cy="1292662"/>
+            <a:ext cx="9543980" cy="1015663"/>
           </a:xfrm>
           <a:prstGeom prst="rect">
             <a:avLst/>
@@ -5012,18 +5273,14 @@
           <a:lstStyle/>
           <a:p>
             <a:r>
+              <a:rPr lang="pl-PL" sz="2800" b="1" dirty="0"/>
+              <a:t>INLINE </a:t>
+            </a:r>
+            <a:r>
               <a:rPr lang="pl-PL" sz="2800" b="1" dirty="0" smtClean="0"/>
-              <a:t>MULTISTATEMANT TVF (1)</a:t>
+              <a:t>TVF (2)</a:t>
             </a:r>
             <a:endParaRPr lang="en-US" sz="2800" b="1" dirty="0"/>
-          </a:p>
-          <a:p>
-            <a:pPr lvl="1"/>
-            <a:r>
-              <a:rPr lang="pl-PL" dirty="0" smtClean="0"/>
-              <a:t>xxxxxxxxxxxxxxxxxxxxxxx</a:t>
-            </a:r>
-            <a:endParaRPr lang="pl-PL" dirty="0"/>
           </a:p>
           <a:p>
             <a:pPr lvl="1"/>
@@ -5063,10 +5320,44 @@
           </a:p>
         </p:txBody>
       </p:sp>
+      <p:pic>
+        <p:nvPicPr>
+          <p:cNvPr id="2" name="Picture 1"/>
+          <p:cNvPicPr>
+            <a:picLocks noChangeAspect="1"/>
+          </p:cNvPicPr>
+          <p:nvPr/>
+        </p:nvPicPr>
+        <p:blipFill>
+          <a:blip r:embed="rId2"/>
+          <a:stretch>
+            <a:fillRect/>
+          </a:stretch>
+        </p:blipFill>
+        <p:spPr>
+          <a:xfrm>
+            <a:off x="489706" y="1212850"/>
+            <a:ext cx="7381875" cy="5143500"/>
+          </a:xfrm>
+          <a:prstGeom prst="rect">
+            <a:avLst/>
+          </a:prstGeom>
+          <a:ln>
+            <a:noFill/>
+          </a:ln>
+          <a:effectLst>
+            <a:outerShdw blurRad="292100" dist="139700" dir="2700000" algn="tl" rotWithShape="0">
+              <a:srgbClr val="333333">
+                <a:alpha val="65000"/>
+              </a:srgbClr>
+            </a:outerShdw>
+          </a:effectLst>
+        </p:spPr>
+      </p:pic>
     </p:spTree>
     <p:extLst>
       <p:ext uri="{BB962C8B-B14F-4D97-AF65-F5344CB8AC3E}">
-        <p14:creationId xmlns:p14="http://schemas.microsoft.com/office/powerpoint/2010/main" val="3861400237"/>
+        <p14:creationId xmlns:p14="http://schemas.microsoft.com/office/powerpoint/2010/main" val="1370824720"/>
       </p:ext>
     </p:extLst>
   </p:cSld>
@@ -5108,8 +5399,8 @@
         </p:nvSpPr>
         <p:spPr>
           <a:xfrm>
-            <a:off x="489706" y="624631"/>
-            <a:ext cx="10374037" cy="1138773"/>
+            <a:off x="569983" y="616393"/>
+            <a:ext cx="7058255" cy="1846659"/>
           </a:xfrm>
           <a:prstGeom prst="rect">
             <a:avLst/>
@@ -5124,34 +5415,25 @@
           <a:p>
             <a:r>
               <a:rPr lang="pl-PL" sz="2800" b="1" dirty="0" smtClean="0"/>
-              <a:t>LINKS</a:t>
+              <a:t>MULTISTATEMANT TVF (1)</a:t>
             </a:r>
             <a:endParaRPr lang="en-US" sz="2800" b="1" dirty="0"/>
           </a:p>
           <a:p>
-            <a:endParaRPr lang="en-US" dirty="0"/>
-          </a:p>
-          <a:p>
             <a:pPr lvl="1"/>
             <a:r>
-              <a:rPr lang="pl-PL" sz="1100" dirty="0"/>
-              <a:t>https://</a:t>
-            </a:r>
-            <a:r>
-              <a:rPr lang="pl-PL" sz="1100" dirty="0" smtClean="0"/>
-              <a:t>docs.microsoft.com/en-us/sql/relational-databases/user-defined-functions/user-defined-functions?view=sql-server-2017</a:t>
-            </a:r>
+              <a:rPr lang="en-US" dirty="0"/>
+              <a:t>Consists of as many statements as you need, allowing you to build a set of data using the same logic as you had in scalar UDFs, but returning a table instead of a scalar variable.</a:t>
+            </a:r>
+            <a:endParaRPr lang="pl-PL" dirty="0"/>
           </a:p>
           <a:p>
             <a:pPr lvl="1"/>
-            <a:r>
-              <a:rPr lang="pl-PL" sz="1100" dirty="0"/>
-              <a:t>https://</a:t>
-            </a:r>
-            <a:r>
-              <a:rPr lang="pl-PL" sz="1100" dirty="0" smtClean="0"/>
-              <a:t>docs.microsoft.com/en-us/sql/relational-databases/user-defined-functions/create-user-defined-functions-database-engine?view=sql-server-2017</a:t>
-            </a:r>
+            <a:endParaRPr lang="pl-PL" sz="1600" dirty="0"/>
+          </a:p>
+          <a:p>
+            <a:pPr lvl="1"/>
+            <a:endParaRPr lang="en-US" sz="1600" dirty="0"/>
           </a:p>
         </p:txBody>
       </p:sp>
@@ -5183,10 +5465,177 @@
           </a:p>
         </p:txBody>
       </p:sp>
+      <p:pic>
+        <p:nvPicPr>
+          <p:cNvPr id="2" name="Picture 1"/>
+          <p:cNvPicPr>
+            <a:picLocks noChangeAspect="1"/>
+          </p:cNvPicPr>
+          <p:nvPr/>
+        </p:nvPicPr>
+        <p:blipFill>
+          <a:blip r:embed="rId2"/>
+          <a:stretch>
+            <a:fillRect/>
+          </a:stretch>
+        </p:blipFill>
+        <p:spPr>
+          <a:xfrm>
+            <a:off x="569983" y="2215917"/>
+            <a:ext cx="5294567" cy="3893298"/>
+          </a:xfrm>
+          <a:prstGeom prst="rect">
+            <a:avLst/>
+          </a:prstGeom>
+          <a:ln>
+            <a:noFill/>
+          </a:ln>
+          <a:effectLst>
+            <a:outerShdw blurRad="292100" dist="139700" dir="2700000" algn="tl" rotWithShape="0">
+              <a:srgbClr val="333333">
+                <a:alpha val="65000"/>
+              </a:srgbClr>
+            </a:outerShdw>
+          </a:effectLst>
+        </p:spPr>
+      </p:pic>
+      <p:pic>
+        <p:nvPicPr>
+          <p:cNvPr id="3" name="Picture 2"/>
+          <p:cNvPicPr>
+            <a:picLocks noChangeAspect="1"/>
+          </p:cNvPicPr>
+          <p:nvPr/>
+        </p:nvPicPr>
+        <p:blipFill>
+          <a:blip r:embed="rId3"/>
+          <a:stretch>
+            <a:fillRect/>
+          </a:stretch>
+        </p:blipFill>
+        <p:spPr>
+          <a:xfrm>
+            <a:off x="6465544" y="2215917"/>
+            <a:ext cx="3960861" cy="3893298"/>
+          </a:xfrm>
+          <a:prstGeom prst="rect">
+            <a:avLst/>
+          </a:prstGeom>
+          <a:ln>
+            <a:noFill/>
+          </a:ln>
+          <a:effectLst>
+            <a:outerShdw blurRad="292100" dist="139700" dir="2700000" algn="tl" rotWithShape="0">
+              <a:srgbClr val="333333">
+                <a:alpha val="65000"/>
+              </a:srgbClr>
+            </a:outerShdw>
+          </a:effectLst>
+        </p:spPr>
+      </p:pic>
     </p:spTree>
     <p:extLst>
       <p:ext uri="{BB962C8B-B14F-4D97-AF65-F5344CB8AC3E}">
-        <p14:creationId xmlns:p14="http://schemas.microsoft.com/office/powerpoint/2010/main" val="4022598219"/>
+        <p14:creationId xmlns:p14="http://schemas.microsoft.com/office/powerpoint/2010/main" val="3861400237"/>
+      </p:ext>
+    </p:extLst>
+  </p:cSld>
+  <p:clrMapOvr>
+    <a:masterClrMapping/>
+  </p:clrMapOvr>
+  <p:timing>
+    <p:tnLst>
+      <p:par>
+        <p:cTn id="1" dur="indefinite" restart="never" nodeType="tmRoot"/>
+      </p:par>
+    </p:tnLst>
+  </p:timing>
+</p:sld>
+</file>
+
+<file path=ppt/slides/slide9.xml><?xml version="1.0" encoding="utf-8"?>
+<p:sld xmlns:a="http://schemas.openxmlformats.org/drawingml/2006/main" xmlns:r="http://schemas.openxmlformats.org/officeDocument/2006/relationships" xmlns:p="http://schemas.openxmlformats.org/presentationml/2006/main">
+  <p:cSld>
+    <p:spTree>
+      <p:nvGrpSpPr>
+        <p:cNvPr id="1" name=""/>
+        <p:cNvGrpSpPr/>
+        <p:nvPr/>
+      </p:nvGrpSpPr>
+      <p:grpSpPr>
+        <a:xfrm>
+          <a:off x="0" y="0"/>
+          <a:ext cx="0" cy="0"/>
+          <a:chOff x="0" y="0"/>
+          <a:chExt cx="0" cy="0"/>
+        </a:xfrm>
+      </p:grpSpPr>
+      <p:sp>
+        <p:nvSpPr>
+          <p:cNvPr id="12" name="Symbol zastępczy stopki 11"/>
+          <p:cNvSpPr>
+            <a:spLocks noGrp="1"/>
+          </p:cNvSpPr>
+          <p:nvPr>
+            <p:ph type="ftr" sz="quarter" idx="11"/>
+          </p:nvPr>
+        </p:nvSpPr>
+        <p:spPr>
+          <a:xfrm>
+            <a:off x="3869268" y="6356350"/>
+            <a:ext cx="5911517" cy="365125"/>
+          </a:xfrm>
+        </p:spPr>
+        <p:txBody>
+          <a:bodyPr/>
+          <a:lstStyle/>
+          <a:p>
+            <a:r>
+              <a:rPr lang="en-US" smtClean="0"/>
+              <a:t>Developing SQL Databases</a:t>
+            </a:r>
+            <a:endParaRPr lang="pl-PL" dirty="0"/>
+          </a:p>
+        </p:txBody>
+      </p:sp>
+      <p:pic>
+        <p:nvPicPr>
+          <p:cNvPr id="4" name="Picture 3"/>
+          <p:cNvPicPr>
+            <a:picLocks noChangeAspect="1"/>
+          </p:cNvPicPr>
+          <p:nvPr/>
+        </p:nvPicPr>
+        <p:blipFill>
+          <a:blip r:embed="rId2"/>
+          <a:stretch>
+            <a:fillRect/>
+          </a:stretch>
+        </p:blipFill>
+        <p:spPr>
+          <a:xfrm>
+            <a:off x="1019078" y="880677"/>
+            <a:ext cx="10153844" cy="5096646"/>
+          </a:xfrm>
+          <a:prstGeom prst="rect">
+            <a:avLst/>
+          </a:prstGeom>
+          <a:ln>
+            <a:noFill/>
+          </a:ln>
+          <a:effectLst>
+            <a:outerShdw blurRad="292100" dist="139700" dir="2700000" algn="tl" rotWithShape="0">
+              <a:srgbClr val="333333">
+                <a:alpha val="65000"/>
+              </a:srgbClr>
+            </a:outerShdw>
+          </a:effectLst>
+        </p:spPr>
+      </p:pic>
+    </p:spTree>
+    <p:extLst>
+      <p:ext uri="{BB962C8B-B14F-4D97-AF65-F5344CB8AC3E}">
+        <p14:creationId xmlns:p14="http://schemas.microsoft.com/office/powerpoint/2010/main" val="345553916"/>
       </p:ext>
     </p:extLst>
   </p:cSld>
